--- a/azure-loadbalancer-and-networksecuritygroup/images/figures.pptx
+++ b/azure-loadbalancer-and-networksecuritygroup/images/figures.pptx
@@ -9729,10 +9729,10 @@
       </p:grpSpPr>
       <p:pic>
         <p:nvPicPr>
-          <p:cNvPr id="2" name="図 1">
-            <a:extLst>
-              <a:ext uri="{FF2B5EF4-FFF2-40B4-BE49-F238E27FC236}">
-                <a16:creationId xmlns:a16="http://schemas.microsoft.com/office/drawing/2014/main" id="{2BF6E92F-1223-D4D2-D48F-5C0F10BAFD36}"/>
+          <p:cNvPr id="33" name="図 32">
+            <a:extLst>
+              <a:ext uri="{FF2B5EF4-FFF2-40B4-BE49-F238E27FC236}">
+                <a16:creationId xmlns:a16="http://schemas.microsoft.com/office/drawing/2014/main" id="{51F65E42-9963-1C10-D324-E1C0F2FAB432}"/>
               </a:ext>
             </a:extLst>
           </p:cNvPr>
@@ -9749,8 +9749,8 @@
         </p:blipFill>
         <p:spPr>
           <a:xfrm>
-            <a:off x="4580394" y="4910101"/>
-            <a:ext cx="7809509" cy="1318489"/>
+            <a:off x="4550049" y="4906659"/>
+            <a:ext cx="7862422" cy="1496785"/>
           </a:xfrm>
           <a:prstGeom prst="rect">
             <a:avLst/>
